--- a/src/image_exercise_with_bullets.pptx
+++ b/src/image_exercise_with_bullets.pptx
@@ -16788,46 +16788,24 @@
                 <a:srgbClr val="999999"/>
               </a:buClr>
               <a:buNone/>
-              <a:defRPr sz="1400" b="1"/>
+              <a:defRPr/>
             </a:pPr>
             <a:r>
-              <a:t>Key Features</a:t>
+              <a:rPr lang="en-US" sz="1520" dirty="0">
+                <a:solidFill>
+                  <a:srgbClr val="A0A0A0"/>
+                </a:solidFill>
+                <a:ea typeface="Verdana" pitchFamily="34" charset="0"/>
+              </a:rPr>
+              <a:t>Example</a:t>
             </a:r>
-          </a:p>
-          <a:p>
-            <a:pPr marL="457200" indent="-457200">
-              <a:spcBef>
-                <a:spcPts val="600"/>
-              </a:spcBef>
-              <a:buChar char="•"/>
-              <a:defRPr sz="1100"/>
-            </a:pPr>
             <a:r>
-              <a:t>Cloud-native architecture</a:t>
-            </a:r>
-          </a:p>
-          <a:p>
-            <a:pPr marL="457200" indent="-457200">
-              <a:spcBef>
-                <a:spcPts val="400"/>
-              </a:spcBef>
-              <a:buChar char="•"/>
-              <a:defRPr sz="1100"/>
-            </a:pPr>
-            <a:r>
-              <a:t>Real-time analytics</a:t>
-            </a:r>
-          </a:p>
-          <a:p>
-            <a:pPr marL="457200" indent="-457200">
-              <a:spcBef>
-                <a:spcPts val="400"/>
-              </a:spcBef>
-              <a:buChar char="•"/>
-              <a:defRPr sz="1100"/>
-            </a:pPr>
-            <a:r>
-              <a:t>Enterprise security</a:t>
+              <a:rPr lang="en-US" sz="1520" b="1" dirty="0">
+                <a:solidFill>
+                  <a:schemeClr val="tx2"/>
+                </a:solidFill>
+              </a:rPr>
+              <a:t> </a:t>
             </a:r>
           </a:p>
         </p:txBody>
@@ -17103,52 +17081,22 @@
                 <a:srgbClr val="999999"/>
               </a:buClr>
               <a:buNone/>
-              <a:defRPr sz="1400" b="1"/>
+              <a:defRPr/>
             </a:pPr>
             <a:r>
-              <a:t>Implementation Steps</a:t>
+              <a:rPr lang="en-US" sz="1520" dirty="0">
+                <a:solidFill>
+                  <a:srgbClr val="A0A0A0"/>
+                </a:solidFill>
+                <a:ea typeface="Verdana" pitchFamily="34" charset="0"/>
+              </a:rPr>
+              <a:t>Example</a:t>
             </a:r>
             <a:endParaRPr lang="en-US" sz="1520" b="1" dirty="0">
               <a:solidFill>
                 <a:schemeClr val="tx2"/>
               </a:solidFill>
             </a:endParaRPr>
-          </a:p>
-          <a:p>
-            <a:pPr marL="457200" indent="-457200">
-              <a:spcBef>
-                <a:spcPts val="600"/>
-              </a:spcBef>
-              <a:buAutoNum type="arabicPeriod"/>
-              <a:defRPr sz="1100"/>
-            </a:pPr>
-            <a:r>
-              <a:t>Assessment &amp; planning</a:t>
-            </a:r>
-          </a:p>
-          <a:p>
-            <a:pPr marL="457200" indent="-457200">
-              <a:spcBef>
-                <a:spcPts val="400"/>
-              </a:spcBef>
-              <a:buAutoNum type="arabicPeriod"/>
-              <a:defRPr sz="1100"/>
-            </a:pPr>
-            <a:r>
-              <a:t>System integration</a:t>
-            </a:r>
-          </a:p>
-          <a:p>
-            <a:pPr marL="457200" indent="-457200">
-              <a:spcBef>
-                <a:spcPts val="400"/>
-              </a:spcBef>
-              <a:buAutoNum type="arabicPeriod"/>
-              <a:defRPr sz="1100"/>
-            </a:pPr>
-            <a:r>
-              <a:t>Testing &amp; deployment</a:t>
-            </a:r>
           </a:p>
         </p:txBody>
       </p:sp>
@@ -17420,27 +17368,22 @@
                 <a:srgbClr val="999999"/>
               </a:buClr>
               <a:buNone/>
-              <a:defRPr sz="1400" b="1"/>
+              <a:defRPr/>
             </a:pPr>
             <a:r>
-              <a:t>Summary</a:t>
+              <a:rPr lang="en-US" sz="1520" dirty="0">
+                <a:solidFill>
+                  <a:srgbClr val="A0A0A0"/>
+                </a:solidFill>
+                <a:ea typeface="Verdana" pitchFamily="34" charset="0"/>
+              </a:rPr>
+              <a:t>Example</a:t>
             </a:r>
             <a:endParaRPr lang="en-US" sz="1520" b="1" dirty="0">
               <a:solidFill>
                 <a:schemeClr val="tx2"/>
               </a:solidFill>
             </a:endParaRPr>
-          </a:p>
-          <a:p>
-            <a:pPr>
-              <a:spcBef>
-                <a:spcPts val="600"/>
-              </a:spcBef>
-              <a:defRPr sz="1000"/>
-            </a:pPr>
-            <a:r>
-              <a:t>This solution provides comprehensive coverage for all enterprise needs.</a:t>
-            </a:r>
           </a:p>
         </p:txBody>
       </p:sp>
@@ -17840,17 +17783,10 @@
               <a:buFontTx/>
               <a:buNone/>
               <a:tabLst/>
-              <a:defRPr/>
+              <a:defRPr sz="700" b="1"/>
             </a:pPr>
             <a:r>
-              <a:rPr lang="en-US" sz="1520" dirty="0">
-                <a:solidFill>
-                  <a:schemeClr val="accent4"/>
-                </a:solidFill>
-                <a:latin typeface="Calibri" panose="020F0502020204030204"/>
-                <a:ea typeface="Verdana" pitchFamily="34" charset="0"/>
-              </a:rPr>
-              <a:t>D</a:t>
+              <a:t>Key Features</a:t>
             </a:r>
             <a:endParaRPr kumimoji="0" lang="en-US" sz="1520" b="0" i="0" u="none" strike="noStrike" kern="1200" cap="none" spc="0" normalizeH="0" baseline="0" noProof="0" dirty="0">
               <a:ln>
@@ -17866,6 +17802,53 @@
               <a:ea typeface="Verdana" pitchFamily="34" charset="0"/>
               <a:cs typeface="+mn-cs"/>
             </a:endParaRPr>
+          </a:p>
+          <a:p>
+            <a:pPr marL="228600" indent="-228600">
+              <a:spcBef>
+                <a:spcPts val="300"/>
+              </a:spcBef>
+              <a:buChar char="•"/>
+              <a:defRPr sz="700"/>
+            </a:pPr>
+            <a:r>
+              <a:t>Cloud-native architecture Textfeld 170</a:t>
+            </a:r>
+          </a:p>
+          <a:p>
+            <a:pPr marL="457200" indent="-228600" lvl="1">
+              <a:spcBef>
+                <a:spcPts val="300"/>
+              </a:spcBef>
+              <a:buChar char="•"/>
+              <a:defRPr sz="700"/>
+            </a:pPr>
+            <a:r>
+              <a:t>test</a:t>
+            </a:r>
+          </a:p>
+          <a:p>
+            <a:pPr marL="228600" indent="-228600">
+              <a:spcBef>
+                <a:spcPts val="500"/>
+              </a:spcBef>
+              <a:buAutoNum type="arabicPeriod"/>
+              <a:defRPr sz="700"/>
+            </a:pPr>
+            <a:r>
+              <a:t>Real-time analytics</a:t>
+            </a:r>
+          </a:p>
+          <a:p>
+            <a:pPr>
+              <a:spcBef>
+                <a:spcPts val="300"/>
+              </a:spcBef>
+              <a:defRPr sz="700"/>
+            </a:pPr>
+            <a:r>
+              <a:t>Enterprise security</a:t>
+            </a:r>
           </a:p>
         </p:txBody>
       </p:sp>
@@ -17928,24 +17911,58 @@
               <a:buFontTx/>
               <a:buNone/>
               <a:tabLst/>
-              <a:defRPr/>
+              <a:defRPr sz="700" b="1"/>
             </a:pPr>
             <a:r>
-              <a:rPr kumimoji="0" lang="en-US" sz="1520" b="0" i="0" u="none" strike="noStrike" kern="1200" cap="none" spc="0" normalizeH="0" baseline="0" noProof="0" dirty="0">
-                <a:ln>
-                  <a:noFill/>
-                </a:ln>
-                <a:solidFill>
-                  <a:schemeClr val="accent4"/>
-                </a:solidFill>
-                <a:effectLst/>
-                <a:uLnTx/>
-                <a:uFillTx/>
-                <a:latin typeface="Calibri" panose="020F0502020204030204"/>
-                <a:ea typeface="Verdana" pitchFamily="34" charset="0"/>
-                <a:cs typeface="+mn-cs"/>
-              </a:rPr>
-              <a:t>C</a:t>
+              <a:t>Key Features</a:t>
+            </a:r>
+          </a:p>
+          <a:p>
+            <a:pPr marL="228600" indent="-228600">
+              <a:spcBef>
+                <a:spcPts val="300"/>
+              </a:spcBef>
+              <a:buAutoNum type="arabicPeriod"/>
+              <a:defRPr sz="700"/>
+            </a:pPr>
+            <a:r>
+              <a:t>Cloud-native architecture Textfeld 183</a:t>
+            </a:r>
+          </a:p>
+          <a:p>
+            <a:pPr lvl="1" marL="457200" indent="-228600">
+              <a:spcBef>
+                <a:spcPts val="300"/>
+              </a:spcBef>
+              <a:buAutoNum type="arabicPeriod"/>
+              <a:defRPr sz="700"/>
+            </a:pPr>
+            <a:r>
+              <a:t>Real-time analytics</a:t>
+            </a:r>
+          </a:p>
+          <a:p>
+            <a:pPr lvl="2" marL="685800" indent="-228600">
+              <a:spcBef>
+                <a:spcPts val="300"/>
+              </a:spcBef>
+              <a:buAutoNum type="arabicPeriod"/>
+              <a:defRPr sz="700"/>
+            </a:pPr>
+            <a:r>
+              <a:t>Enterprise security</a:t>
+            </a:r>
+          </a:p>
+          <a:p>
+            <a:pPr lvl="2" marL="685800" indent="-228600">
+              <a:spcBef>
+                <a:spcPts val="300"/>
+              </a:spcBef>
+              <a:buAutoNum type="arabicPeriod"/>
+              <a:defRPr sz="700"/>
+            </a:pPr>
+            <a:r>
+              <a:t>Speed</a:t>
             </a:r>
           </a:p>
         </p:txBody>
@@ -18370,34 +18387,16 @@
                 <a:spcPts val="300"/>
               </a:spcAft>
               <a:buSzPct val="100000"/>
-              <a:defRPr sz="1200" b="1"/>
+              <a:defRPr/>
             </a:pPr>
             <a:r>
-              <a:t>Benefits</a:t>
-            </a:r>
-          </a:p>
-          <a:p>
-            <a:pPr marL="457200" indent="-457200">
-              <a:spcBef>
-                <a:spcPts val="400"/>
-              </a:spcBef>
-              <a:buChar char="•"/>
-              <a:defRPr sz="1000"/>
-            </a:pPr>
-            <a:r>
-              <a:t>Cost reduction</a:t>
-            </a:r>
-          </a:p>
-          <a:p>
-            <a:pPr marL="457200" indent="-457200">
-              <a:spcBef>
-                <a:spcPts val="400"/>
-              </a:spcBef>
-              <a:buChar char="•"/>
-              <a:defRPr sz="1000"/>
-            </a:pPr>
-            <a:r>
-              <a:t>Improved efficiency</a:t>
+              <a:rPr lang="en-US" sz="1520" dirty="0">
+                <a:solidFill>
+                  <a:srgbClr val="A0A0A0"/>
+                </a:solidFill>
+                <a:ea typeface="Verdana" pitchFamily="34" charset="0"/>
+              </a:rPr>
+              <a:t>Example</a:t>
             </a:r>
           </a:p>
         </p:txBody>
@@ -18461,46 +18460,16 @@
                 <a:spcPts val="300"/>
               </a:spcAft>
               <a:buSzPct val="100000"/>
-              <a:defRPr sz="1200" b="1"/>
+              <a:defRPr/>
             </a:pPr>
             <a:r>
-              <a:t>Risk Categories</a:t>
-            </a:r>
-          </a:p>
-          <a:p>
-            <a:pPr marL="457200" indent="-457200">
-              <a:spcBef>
-                <a:spcPts val="400"/>
-              </a:spcBef>
-              <a:buAutoNum type="arabicPeriod"/>
-              <a:defRPr sz="1000"/>
-            </a:pPr>
-            <a:r>
-              <a:t>Market risk</a:t>
-            </a:r>
-          </a:p>
-          <a:p>
-            <a:pPr marL="457200" indent="-457200">
-              <a:spcBef>
-                <a:spcPts val="400"/>
-              </a:spcBef>
-              <a:buAutoNum type="arabicPeriod"/>
-              <a:defRPr sz="1000"/>
-            </a:pPr>
-            <a:r>
-              <a:t>Credit risk</a:t>
-            </a:r>
-          </a:p>
-          <a:p>
-            <a:pPr marL="457200" indent="-457200">
-              <a:spcBef>
-                <a:spcPts val="400"/>
-              </a:spcBef>
-              <a:buAutoNum type="arabicPeriod"/>
-              <a:defRPr sz="1000"/>
-            </a:pPr>
-            <a:r>
-              <a:t>Operational risk</a:t>
+              <a:rPr lang="en-US" sz="1520" b="1" i="1" dirty="0">
+                <a:solidFill>
+                  <a:schemeClr val="accent1"/>
+                </a:solidFill>
+                <a:ea typeface="Verdana" pitchFamily="34" charset="0"/>
+              </a:rPr>
+              <a:t>Exposure Management</a:t>
             </a:r>
           </a:p>
         </p:txBody>
@@ -18565,45 +18534,16 @@
                 <a:spcPts val="300"/>
               </a:spcAft>
               <a:buSzPct val="100000"/>
-              <a:defRPr sz="1200" b="1"/>
+              <a:defRPr/>
             </a:pPr>
             <a:r>
-              <a:t>Product Overview</a:t>
-            </a:r>
-          </a:p>
-          <a:p>
-            <a:pPr>
-              <a:spcBef>
-                <a:spcPts val="600"/>
-              </a:spcBef>
-              <a:defRPr sz="1000"/>
-            </a:pPr>
-            <a:r>
-              <a:t>Our solution addresses key market needs with innovative technology.</a:t>
-            </a:r>
-          </a:p>
-          <a:p>
-            <a:pPr marL="457200" indent="-457200">
-              <a:spcBef>
-                <a:spcPts val="400"/>
-              </a:spcBef>
-              <a:buChar char="•"/>
-              <a:defRPr sz="1000"/>
-            </a:pPr>
-            <a:r>
-              <a:t>Scalable infrastructure</a:t>
-            </a:r>
-          </a:p>
-          <a:p>
-            <a:pPr marL="457200" indent="-457200">
-              <a:spcBef>
-                <a:spcPts val="400"/>
-              </a:spcBef>
-              <a:buChar char="•"/>
-              <a:defRPr sz="1000"/>
-            </a:pPr>
-            <a:r>
-              <a:t>24/7 support</a:t>
+              <a:rPr lang="en-US" sz="1520" dirty="0">
+                <a:solidFill>
+                  <a:srgbClr val="A0A0A0"/>
+                </a:solidFill>
+                <a:ea typeface="Verdana" pitchFamily="34" charset="0"/>
+              </a:rPr>
+              <a:t>Example</a:t>
             </a:r>
           </a:p>
         </p:txBody>
@@ -18876,46 +18816,15 @@
                 <a:srgbClr val="999999"/>
               </a:buClr>
               <a:buNone/>
-              <a:defRPr sz="1400" b="1"/>
+              <a:defRPr/>
             </a:pPr>
             <a:r>
-              <a:t>Key Features</a:t>
-            </a:r>
-          </a:p>
-          <a:p>
-            <a:pPr marL="457200" indent="-457200">
-              <a:spcBef>
-                <a:spcPts val="600"/>
-              </a:spcBef>
-              <a:buChar char="•"/>
-              <a:defRPr sz="1100"/>
-            </a:pPr>
-            <a:r>
-              <a:t>Cloud-native architecture</a:t>
-            </a:r>
-          </a:p>
-          <a:p>
-            <a:pPr marL="457200" indent="-457200">
-              <a:spcBef>
-                <a:spcPts val="400"/>
-              </a:spcBef>
-              <a:buChar char="•"/>
-              <a:defRPr sz="1100"/>
-            </a:pPr>
-            <a:r>
-              <a:t>Real-time analytics</a:t>
-            </a:r>
-          </a:p>
-          <a:p>
-            <a:pPr marL="457200" indent="-457200">
-              <a:spcBef>
-                <a:spcPts val="400"/>
-              </a:spcBef>
-              <a:buChar char="•"/>
-              <a:defRPr sz="1100"/>
-            </a:pPr>
-            <a:r>
-              <a:t>Enterprise security</a:t>
+              <a:rPr lang="en-US" sz="1140" dirty="0">
+                <a:solidFill>
+                  <a:srgbClr val="808080"/>
+                </a:solidFill>
+              </a:rPr>
+              <a:t>&lt;&gt;</a:t>
             </a:r>
           </a:p>
         </p:txBody>
